--- a/Voice assistant.pptx
+++ b/Voice assistant.pptx
@@ -3693,11 +3693,11 @@
           <a:p>
             <a:r>
               <a:rPr lang="ru-RU" dirty="0"/>
-              <a:t>Это приложение включает в себя три простые функции, которые нужны для того, чтобы объединить данное приложение с возможностями обычного голосового ассистента, а также функция определения погоды, которая сообщит температуру </a:t>
-            </a:r>
-            <a:r>
-              <a:rPr lang="ru-RU"/>
-              <a:t>в градусах, а также</a:t>
+              <a:t>Это приложение включает в себя три простые функции, которые нужны для того, чтобы объединить данное приложение с возможностями обычного голосового ассистента, а также функция определения погоды, которая сообщит температуру в градусах, а также состояние облаков на данный момент(ясно, облачно</a:t>
+            </a:r>
+            <a:r>
+              <a:rPr lang="ru-RU"/>
+              <a:t>, дождь)</a:t>
             </a:r>
             <a:endParaRPr lang="ru-RU" dirty="0"/>
           </a:p>
